--- a/水餃子パネル.pptx
+++ b/水餃子パネル.pptx
@@ -288,7 +288,7 @@
           <a:p>
             <a:fld id="{4E47F956-7E44-4465-B553-5A8707E859BC}" type="datetimeFigureOut">
               <a:rPr kumimoji="1" lang="ja-JP" altLang="en-US" smtClean="0"/>
-              <a:t>2015/1/26</a:t>
+              <a:t>2015/1/27</a:t>
             </a:fld>
             <a:endParaRPr kumimoji="1" lang="ja-JP" altLang="en-US"/>
           </a:p>
@@ -490,7 +490,7 @@
           <a:p>
             <a:fld id="{4E47F956-7E44-4465-B553-5A8707E859BC}" type="datetimeFigureOut">
               <a:rPr kumimoji="1" lang="ja-JP" altLang="en-US" smtClean="0"/>
-              <a:t>2015/1/26</a:t>
+              <a:t>2015/1/27</a:t>
             </a:fld>
             <a:endParaRPr kumimoji="1" lang="ja-JP" altLang="en-US"/>
           </a:p>
@@ -702,7 +702,7 @@
           <a:p>
             <a:fld id="{4E47F956-7E44-4465-B553-5A8707E859BC}" type="datetimeFigureOut">
               <a:rPr kumimoji="1" lang="ja-JP" altLang="en-US" smtClean="0"/>
-              <a:t>2015/1/26</a:t>
+              <a:t>2015/1/27</a:t>
             </a:fld>
             <a:endParaRPr kumimoji="1" lang="ja-JP" altLang="en-US"/>
           </a:p>
@@ -904,7 +904,7 @@
           <a:p>
             <a:fld id="{4E47F956-7E44-4465-B553-5A8707E859BC}" type="datetimeFigureOut">
               <a:rPr kumimoji="1" lang="ja-JP" altLang="en-US" smtClean="0"/>
-              <a:t>2015/1/26</a:t>
+              <a:t>2015/1/27</a:t>
             </a:fld>
             <a:endParaRPr kumimoji="1" lang="ja-JP" altLang="en-US"/>
           </a:p>
@@ -1150,7 +1150,7 @@
           <a:p>
             <a:fld id="{4E47F956-7E44-4465-B553-5A8707E859BC}" type="datetimeFigureOut">
               <a:rPr kumimoji="1" lang="ja-JP" altLang="en-US" smtClean="0"/>
-              <a:t>2015/1/26</a:t>
+              <a:t>2015/1/27</a:t>
             </a:fld>
             <a:endParaRPr kumimoji="1" lang="ja-JP" altLang="en-US"/>
           </a:p>
@@ -1502,7 +1502,7 @@
           <a:p>
             <a:fld id="{4E47F956-7E44-4465-B553-5A8707E859BC}" type="datetimeFigureOut">
               <a:rPr kumimoji="1" lang="ja-JP" altLang="en-US" smtClean="0"/>
-              <a:t>2015/1/26</a:t>
+              <a:t>2015/1/27</a:t>
             </a:fld>
             <a:endParaRPr kumimoji="1" lang="ja-JP" altLang="en-US"/>
           </a:p>
@@ -1988,7 +1988,7 @@
           <a:p>
             <a:fld id="{4E47F956-7E44-4465-B553-5A8707E859BC}" type="datetimeFigureOut">
               <a:rPr kumimoji="1" lang="ja-JP" altLang="en-US" smtClean="0"/>
-              <a:t>2015/1/26</a:t>
+              <a:t>2015/1/27</a:t>
             </a:fld>
             <a:endParaRPr kumimoji="1" lang="ja-JP" altLang="en-US"/>
           </a:p>
@@ -2106,7 +2106,7 @@
           <a:p>
             <a:fld id="{4E47F956-7E44-4465-B553-5A8707E859BC}" type="datetimeFigureOut">
               <a:rPr kumimoji="1" lang="ja-JP" altLang="en-US" smtClean="0"/>
-              <a:t>2015/1/26</a:t>
+              <a:t>2015/1/27</a:t>
             </a:fld>
             <a:endParaRPr kumimoji="1" lang="ja-JP" altLang="en-US"/>
           </a:p>
@@ -2201,7 +2201,7 @@
           <a:p>
             <a:fld id="{4E47F956-7E44-4465-B553-5A8707E859BC}" type="datetimeFigureOut">
               <a:rPr kumimoji="1" lang="ja-JP" altLang="en-US" smtClean="0"/>
-              <a:t>2015/1/26</a:t>
+              <a:t>2015/1/27</a:t>
             </a:fld>
             <a:endParaRPr kumimoji="1" lang="ja-JP" altLang="en-US"/>
           </a:p>
@@ -2510,7 +2510,7 @@
           <a:p>
             <a:fld id="{4E47F956-7E44-4465-B553-5A8707E859BC}" type="datetimeFigureOut">
               <a:rPr kumimoji="1" lang="ja-JP" altLang="en-US" smtClean="0"/>
-              <a:t>2015/1/26</a:t>
+              <a:t>2015/1/27</a:t>
             </a:fld>
             <a:endParaRPr kumimoji="1" lang="ja-JP" altLang="en-US"/>
           </a:p>
@@ -2763,7 +2763,7 @@
           <a:p>
             <a:fld id="{4E47F956-7E44-4465-B553-5A8707E859BC}" type="datetimeFigureOut">
               <a:rPr kumimoji="1" lang="ja-JP" altLang="en-US" smtClean="0"/>
-              <a:t>2015/1/26</a:t>
+              <a:t>2015/1/27</a:t>
             </a:fld>
             <a:endParaRPr kumimoji="1" lang="ja-JP" altLang="en-US"/>
           </a:p>
@@ -3008,7 +3008,7 @@
           <a:p>
             <a:fld id="{4E47F956-7E44-4465-B553-5A8707E859BC}" type="datetimeFigureOut">
               <a:rPr kumimoji="1" lang="ja-JP" altLang="en-US" smtClean="0"/>
-              <a:t>2015/1/26</a:t>
+              <a:t>2015/1/27</a:t>
             </a:fld>
             <a:endParaRPr kumimoji="1" lang="ja-JP" altLang="en-US"/>
           </a:p>
@@ -3464,63 +3464,6 @@
       </p:pic>
       <p:sp>
         <p:nvSpPr>
-          <p:cNvPr id="6" name="テキスト ボックス 5"/>
-          <p:cNvSpPr txBox="1"/>
-          <p:nvPr/>
-        </p:nvSpPr>
-        <p:spPr>
-          <a:xfrm>
-            <a:off x="7424031" y="8112968"/>
-            <a:ext cx="4883709" cy="1308050"/>
-          </a:xfrm>
-          <a:prstGeom prst="rect">
-            <a:avLst/>
-          </a:prstGeom>
-          <a:noFill/>
-        </p:spPr>
-        <p:txBody>
-          <a:bodyPr wrap="none" rtlCol="0">
-            <a:spAutoFit/>
-          </a:bodyPr>
-          <a:lstStyle/>
-          <a:p>
-            <a:r>
-              <a:rPr lang="en-US" altLang="ja-JP" sz="3600" b="1" i="1" dirty="0" smtClean="0">
-                <a:solidFill>
-                  <a:schemeClr val="bg1"/>
-                </a:solidFill>
-              </a:rPr>
-              <a:t>GT3	</a:t>
-            </a:r>
-            <a:r>
-              <a:rPr lang="ja-JP" altLang="en-US" sz="3600" b="1" i="1" dirty="0" smtClean="0">
-                <a:solidFill>
-                  <a:schemeClr val="bg1"/>
-                </a:solidFill>
-              </a:rPr>
-              <a:t>チーム</a:t>
-            </a:r>
-            <a:r>
-              <a:rPr lang="ja-JP" altLang="en-US" sz="5400" b="1" i="1" dirty="0" smtClean="0">
-                <a:solidFill>
-                  <a:schemeClr val="bg1"/>
-                </a:solidFill>
-              </a:rPr>
-              <a:t>酔餃子</a:t>
-            </a:r>
-            <a:endParaRPr lang="en-US" altLang="ja-JP" sz="5400" b="1" i="1" dirty="0" smtClean="0">
-              <a:solidFill>
-                <a:schemeClr val="bg1"/>
-              </a:solidFill>
-            </a:endParaRPr>
-          </a:p>
-          <a:p>
-            <a:endParaRPr kumimoji="1" lang="ja-JP" altLang="en-US" dirty="0"/>
-          </a:p>
-        </p:txBody>
-      </p:sp>
-      <p:sp>
-        <p:nvSpPr>
           <p:cNvPr id="2" name="テキスト ボックス 1"/>
           <p:cNvSpPr txBox="1"/>
           <p:nvPr/>
@@ -3790,23 +3733,7 @@
                   <a:schemeClr val="bg1"/>
                 </a:solidFill>
               </a:rPr>
-              <a:t>に</a:t>
-            </a:r>
-            <a:r>
-              <a:rPr lang="ja-JP" altLang="en-US" sz="2400" dirty="0" smtClean="0">
-                <a:solidFill>
-                  <a:schemeClr val="bg1"/>
-                </a:solidFill>
-              </a:rPr>
-              <a:t>不快感を</a:t>
-            </a:r>
-            <a:r>
-              <a:rPr lang="ja-JP" altLang="en-US" sz="2400" dirty="0" smtClean="0">
-                <a:solidFill>
-                  <a:schemeClr val="bg1"/>
-                </a:solidFill>
-              </a:rPr>
-              <a:t>与えない</a:t>
+              <a:t>に不快感を与えない</a:t>
             </a:r>
             <a:r>
               <a:rPr lang="ja-JP" altLang="en-US" sz="2400" dirty="0">
@@ -4217,6 +4144,47 @@
           </a:p>
         </p:txBody>
       </p:sp>
+      <p:pic>
+        <p:nvPicPr>
+          <p:cNvPr id="1026" name="Picture 2" descr="C:\Users\Yusuke\Desktop\teamrogo.png"/>
+          <p:cNvPicPr>
+            <a:picLocks noChangeAspect="1" noChangeArrowheads="1"/>
+          </p:cNvPicPr>
+          <p:nvPr/>
+        </p:nvPicPr>
+        <p:blipFill>
+          <a:blip r:embed="rId3">
+            <a:extLst>
+              <a:ext uri="{28A0092B-C50C-407E-A947-70E740481C1C}">
+                <a14:useLocalDpi xmlns:a14="http://schemas.microsoft.com/office/drawing/2010/main" val="0"/>
+              </a:ext>
+            </a:extLst>
+          </a:blip>
+          <a:srcRect/>
+          <a:stretch>
+            <a:fillRect/>
+          </a:stretch>
+        </p:blipFill>
+        <p:spPr bwMode="auto">
+          <a:xfrm>
+            <a:off x="7156318" y="6744817"/>
+            <a:ext cx="6113680" cy="3057338"/>
+          </a:xfrm>
+          <a:prstGeom prst="rect">
+            <a:avLst/>
+          </a:prstGeom>
+          <a:noFill/>
+          <a:extLst>
+            <a:ext uri="{909E8E84-426E-40DD-AFC4-6F175D3DCCD1}">
+              <a14:hiddenFill xmlns:a14="http://schemas.microsoft.com/office/drawing/2010/main">
+                <a:solidFill>
+                  <a:srgbClr val="FFFFFF"/>
+                </a:solidFill>
+              </a14:hiddenFill>
+            </a:ext>
+          </a:extLst>
+        </p:spPr>
+      </p:pic>
     </p:spTree>
     <p:extLst>
       <p:ext uri="{BB962C8B-B14F-4D97-AF65-F5344CB8AC3E}">
